--- a/Project/presentation_ML_updated.pptx
+++ b/Project/presentation_ML_updated.pptx
@@ -6,10 +6,10 @@
     <p:sldMasterId id="2147483674" r:id="rId2"/>
   </p:sldMasterIdLst>
   <p:notesMasterIdLst>
-    <p:notesMasterId r:id="rId29"/>
+    <p:notesMasterId r:id="rId28"/>
   </p:notesMasterIdLst>
   <p:handoutMasterIdLst>
-    <p:handoutMasterId r:id="rId30"/>
+    <p:handoutMasterId r:id="rId29"/>
   </p:handoutMasterIdLst>
   <p:sldIdLst>
     <p:sldId id="256" r:id="rId3"/>
@@ -24,20 +24,19 @@
     <p:sldId id="278" r:id="rId12"/>
     <p:sldId id="279" r:id="rId13"/>
     <p:sldId id="280" r:id="rId14"/>
-    <p:sldId id="281" r:id="rId15"/>
-    <p:sldId id="282" r:id="rId16"/>
-    <p:sldId id="283" r:id="rId17"/>
-    <p:sldId id="284" r:id="rId18"/>
-    <p:sldId id="285" r:id="rId19"/>
-    <p:sldId id="286" r:id="rId20"/>
-    <p:sldId id="287" r:id="rId21"/>
-    <p:sldId id="288" r:id="rId22"/>
-    <p:sldId id="289" r:id="rId23"/>
-    <p:sldId id="290" r:id="rId24"/>
-    <p:sldId id="291" r:id="rId25"/>
-    <p:sldId id="292" r:id="rId26"/>
-    <p:sldId id="293" r:id="rId27"/>
-    <p:sldId id="270" r:id="rId28"/>
+    <p:sldId id="282" r:id="rId15"/>
+    <p:sldId id="283" r:id="rId16"/>
+    <p:sldId id="284" r:id="rId17"/>
+    <p:sldId id="285" r:id="rId18"/>
+    <p:sldId id="286" r:id="rId19"/>
+    <p:sldId id="287" r:id="rId20"/>
+    <p:sldId id="288" r:id="rId21"/>
+    <p:sldId id="289" r:id="rId22"/>
+    <p:sldId id="290" r:id="rId23"/>
+    <p:sldId id="291" r:id="rId24"/>
+    <p:sldId id="292" r:id="rId25"/>
+    <p:sldId id="293" r:id="rId26"/>
+    <p:sldId id="270" r:id="rId27"/>
   </p:sldIdLst>
   <p:sldSz cx="7315200" cy="4114800"/>
   <p:notesSz cx="6797675" cy="9926638"/>
@@ -6095,10 +6094,10 @@
       </p:sp>
       <p:pic>
         <p:nvPicPr>
-          <p:cNvPr id="3" name="Picture 2">
+          <p:cNvPr id="2" name="Picture 1">
             <a:extLst>
               <a:ext uri="{FF2B5EF4-FFF2-40B4-BE49-F238E27FC236}">
-                <a16:creationId xmlns:a16="http://schemas.microsoft.com/office/drawing/2014/main" id="{3CB0ED96-AA02-448D-9339-F47438FA40CE}"/>
+                <a16:creationId xmlns:a16="http://schemas.microsoft.com/office/drawing/2014/main" id="{87EDAD30-CA35-4F12-8CC8-7DC96435C118}"/>
               </a:ext>
             </a:extLst>
           </p:cNvPr>
@@ -6115,8 +6114,8 @@
         </p:blipFill>
         <p:spPr>
           <a:xfrm>
-            <a:off x="259732" y="996592"/>
-            <a:ext cx="3067290" cy="2440113"/>
+            <a:off x="141665" y="854013"/>
+            <a:ext cx="3515935" cy="2690599"/>
           </a:xfrm>
           <a:prstGeom prst="rect">
             <a:avLst/>
@@ -6125,10 +6124,10 @@
       </p:pic>
       <p:pic>
         <p:nvPicPr>
-          <p:cNvPr id="4" name="Picture 3">
+          <p:cNvPr id="5" name="Picture 4">
             <a:extLst>
               <a:ext uri="{FF2B5EF4-FFF2-40B4-BE49-F238E27FC236}">
-                <a16:creationId xmlns:a16="http://schemas.microsoft.com/office/drawing/2014/main" id="{41BD99AE-3B83-41EF-87A4-67712389E460}"/>
+                <a16:creationId xmlns:a16="http://schemas.microsoft.com/office/drawing/2014/main" id="{33CCEEDB-D9E3-415C-B862-2BF4E0E9C14D}"/>
               </a:ext>
             </a:extLst>
           </p:cNvPr>
@@ -6145,8 +6144,8 @@
         </p:blipFill>
         <p:spPr>
           <a:xfrm>
-            <a:off x="3327022" y="1140675"/>
-            <a:ext cx="3813517" cy="2241576"/>
+            <a:off x="3420906" y="751320"/>
+            <a:ext cx="3276810" cy="2711071"/>
           </a:xfrm>
           <a:prstGeom prst="rect">
             <a:avLst/>
@@ -6156,7 +6155,7 @@
     </p:spTree>
     <p:extLst>
       <p:ext uri="{BB962C8B-B14F-4D97-AF65-F5344CB8AC3E}">
-        <p14:creationId xmlns:p14="http://schemas.microsoft.com/office/powerpoint/2010/main" val="2031465549"/>
+        <p14:creationId xmlns:p14="http://schemas.microsoft.com/office/powerpoint/2010/main" val="38197548"/>
       </p:ext>
     </p:extLst>
   </p:cSld>
@@ -6232,10 +6231,10 @@
       </p:sp>
       <p:pic>
         <p:nvPicPr>
-          <p:cNvPr id="2" name="Picture 1">
+          <p:cNvPr id="3" name="Picture 2">
             <a:extLst>
               <a:ext uri="{FF2B5EF4-FFF2-40B4-BE49-F238E27FC236}">
-                <a16:creationId xmlns:a16="http://schemas.microsoft.com/office/drawing/2014/main" id="{87EDAD30-CA35-4F12-8CC8-7DC96435C118}"/>
+                <a16:creationId xmlns:a16="http://schemas.microsoft.com/office/drawing/2014/main" id="{7C0781CE-1438-43F3-B007-3E6151C0DF78}"/>
               </a:ext>
             </a:extLst>
           </p:cNvPr>
@@ -6252,8 +6251,8 @@
         </p:blipFill>
         <p:spPr>
           <a:xfrm>
-            <a:off x="141665" y="854013"/>
-            <a:ext cx="3515935" cy="2690599"/>
+            <a:off x="186045" y="751320"/>
+            <a:ext cx="3471555" cy="2862091"/>
           </a:xfrm>
           <a:prstGeom prst="rect">
             <a:avLst/>
@@ -6262,10 +6261,10 @@
       </p:pic>
       <p:pic>
         <p:nvPicPr>
-          <p:cNvPr id="5" name="Picture 4">
+          <p:cNvPr id="4" name="Picture 3">
             <a:extLst>
               <a:ext uri="{FF2B5EF4-FFF2-40B4-BE49-F238E27FC236}">
-                <a16:creationId xmlns:a16="http://schemas.microsoft.com/office/drawing/2014/main" id="{33CCEEDB-D9E3-415C-B862-2BF4E0E9C14D}"/>
+                <a16:creationId xmlns:a16="http://schemas.microsoft.com/office/drawing/2014/main" id="{33CF1632-BCF4-4F56-B7D5-0A4677BC703D}"/>
               </a:ext>
             </a:extLst>
           </p:cNvPr>
@@ -6282,8 +6281,8 @@
         </p:blipFill>
         <p:spPr>
           <a:xfrm>
-            <a:off x="3420906" y="751320"/>
-            <a:ext cx="3276810" cy="2711071"/>
+            <a:off x="3424862" y="751320"/>
+            <a:ext cx="3660116" cy="2862091"/>
           </a:xfrm>
           <a:prstGeom prst="rect">
             <a:avLst/>
@@ -6293,7 +6292,7 @@
     </p:spTree>
     <p:extLst>
       <p:ext uri="{BB962C8B-B14F-4D97-AF65-F5344CB8AC3E}">
-        <p14:creationId xmlns:p14="http://schemas.microsoft.com/office/powerpoint/2010/main" val="38197548"/>
+        <p14:creationId xmlns:p14="http://schemas.microsoft.com/office/powerpoint/2010/main" val="2517385768"/>
       </p:ext>
     </p:extLst>
   </p:cSld>
@@ -6329,7 +6328,7 @@
         <p:spPr>
           <a:xfrm>
             <a:off x="378360" y="85320"/>
-            <a:ext cx="4876560" cy="666000"/>
+            <a:ext cx="5755312" cy="666000"/>
           </a:xfrm>
           <a:prstGeom prst="rect">
             <a:avLst/>
@@ -6356,7 +6355,7 @@
                   <a:srgbClr val="24B57A"/>
                 </a:solidFill>
               </a:rPr>
-              <a:t>PCA </a:t>
+              <a:t>Linear regression with principal components </a:t>
             </a:r>
             <a:endParaRPr lang="en-US" sz="2000" b="0" strike="noStrike" spc="-1" dirty="0">
               <a:solidFill>
@@ -6369,10 +6368,10 @@
       </p:sp>
       <p:pic>
         <p:nvPicPr>
-          <p:cNvPr id="3" name="Picture 2">
+          <p:cNvPr id="2" name="Picture 1">
             <a:extLst>
               <a:ext uri="{FF2B5EF4-FFF2-40B4-BE49-F238E27FC236}">
-                <a16:creationId xmlns:a16="http://schemas.microsoft.com/office/drawing/2014/main" id="{7C0781CE-1438-43F3-B007-3E6151C0DF78}"/>
+                <a16:creationId xmlns:a16="http://schemas.microsoft.com/office/drawing/2014/main" id="{3F9E0940-77EA-4E70-8883-8BBDD628EB76}"/>
               </a:ext>
             </a:extLst>
           </p:cNvPr>
@@ -6389,38 +6388,8 @@
         </p:blipFill>
         <p:spPr>
           <a:xfrm>
-            <a:off x="186045" y="751320"/>
-            <a:ext cx="3471555" cy="2862091"/>
-          </a:xfrm>
-          <a:prstGeom prst="rect">
-            <a:avLst/>
-          </a:prstGeom>
-        </p:spPr>
-      </p:pic>
-      <p:pic>
-        <p:nvPicPr>
-          <p:cNvPr id="4" name="Picture 3">
-            <a:extLst>
-              <a:ext uri="{FF2B5EF4-FFF2-40B4-BE49-F238E27FC236}">
-                <a16:creationId xmlns:a16="http://schemas.microsoft.com/office/drawing/2014/main" id="{33CF1632-BCF4-4F56-B7D5-0A4677BC703D}"/>
-              </a:ext>
-            </a:extLst>
-          </p:cNvPr>
-          <p:cNvPicPr>
-            <a:picLocks noChangeAspect="1"/>
-          </p:cNvPicPr>
-          <p:nvPr/>
-        </p:nvPicPr>
-        <p:blipFill>
-          <a:blip r:embed="rId3"/>
-          <a:stretch>
-            <a:fillRect/>
-          </a:stretch>
-        </p:blipFill>
-        <p:spPr>
-          <a:xfrm>
-            <a:off x="3424862" y="751320"/>
-            <a:ext cx="3660116" cy="2862091"/>
+            <a:off x="740381" y="593332"/>
+            <a:ext cx="5547403" cy="3235985"/>
           </a:xfrm>
           <a:prstGeom prst="rect">
             <a:avLst/>
@@ -6430,7 +6399,7 @@
     </p:spTree>
     <p:extLst>
       <p:ext uri="{BB962C8B-B14F-4D97-AF65-F5344CB8AC3E}">
-        <p14:creationId xmlns:p14="http://schemas.microsoft.com/office/powerpoint/2010/main" val="2517385768"/>
+        <p14:creationId xmlns:p14="http://schemas.microsoft.com/office/powerpoint/2010/main" val="2010233052"/>
       </p:ext>
     </p:extLst>
   </p:cSld>
@@ -6493,7 +6462,7 @@
                   <a:srgbClr val="24B57A"/>
                 </a:solidFill>
               </a:rPr>
-              <a:t>Linear regression with principal components </a:t>
+              <a:t>K-mean</a:t>
             </a:r>
             <a:endParaRPr lang="en-US" sz="2000" b="0" strike="noStrike" spc="-1" dirty="0">
               <a:solidFill>
@@ -6506,10 +6475,10 @@
       </p:sp>
       <p:pic>
         <p:nvPicPr>
-          <p:cNvPr id="2" name="Picture 1">
+          <p:cNvPr id="3" name="Picture 2">
             <a:extLst>
               <a:ext uri="{FF2B5EF4-FFF2-40B4-BE49-F238E27FC236}">
-                <a16:creationId xmlns:a16="http://schemas.microsoft.com/office/drawing/2014/main" id="{3F9E0940-77EA-4E70-8883-8BBDD628EB76}"/>
+                <a16:creationId xmlns:a16="http://schemas.microsoft.com/office/drawing/2014/main" id="{98B2A374-CB41-4A28-9187-098F04478DB5}"/>
               </a:ext>
             </a:extLst>
           </p:cNvPr>
@@ -6526,8 +6495,8 @@
         </p:blipFill>
         <p:spPr>
           <a:xfrm>
-            <a:off x="740381" y="593332"/>
-            <a:ext cx="5547403" cy="3235985"/>
+            <a:off x="1802418" y="320638"/>
+            <a:ext cx="5040170" cy="3473524"/>
           </a:xfrm>
           <a:prstGeom prst="rect">
             <a:avLst/>
@@ -6537,7 +6506,7 @@
     </p:spTree>
     <p:extLst>
       <p:ext uri="{BB962C8B-B14F-4D97-AF65-F5344CB8AC3E}">
-        <p14:creationId xmlns:p14="http://schemas.microsoft.com/office/powerpoint/2010/main" val="2010233052"/>
+        <p14:creationId xmlns:p14="http://schemas.microsoft.com/office/powerpoint/2010/main" val="2466542828"/>
       </p:ext>
     </p:extLst>
   </p:cSld>
@@ -6566,57 +6535,142 @@
       </p:grpSpPr>
       <p:sp>
         <p:nvSpPr>
-          <p:cNvPr id="152" name="TextShape 1"/>
-          <p:cNvSpPr txBox="1"/>
-          <p:nvPr/>
-        </p:nvSpPr>
-        <p:spPr>
-          <a:xfrm>
-            <a:off x="378360" y="85320"/>
-            <a:ext cx="5755312" cy="666000"/>
-          </a:xfrm>
-          <a:prstGeom prst="rect">
-            <a:avLst/>
-          </a:prstGeom>
-          <a:noFill/>
-          <a:ln w="0">
-            <a:noFill/>
-          </a:ln>
-        </p:spPr>
-        <p:txBody>
-          <a:bodyPr lIns="65160" tIns="32760" rIns="65160" bIns="32760" anchor="ctr">
-            <a:noAutofit/>
-          </a:bodyPr>
-          <a:lstStyle/>
-          <a:p>
-            <a:pPr>
-              <a:lnSpc>
-                <a:spcPct val="100000"/>
-              </a:lnSpc>
+          <p:cNvPr id="2" name="Title 1">
+            <a:extLst>
+              <a:ext uri="{FF2B5EF4-FFF2-40B4-BE49-F238E27FC236}">
+                <a16:creationId xmlns:a16="http://schemas.microsoft.com/office/drawing/2014/main" id="{A77667F7-C2EB-4234-B396-2A9D5C353501}"/>
+              </a:ext>
+            </a:extLst>
+          </p:cNvPr>
+          <p:cNvSpPr>
+            <a:spLocks noGrp="1"/>
+          </p:cNvSpPr>
+          <p:nvPr>
+            <p:ph type="title"/>
+          </p:nvPr>
+        </p:nvSpPr>
+        <p:spPr>
+          <a:xfrm>
+            <a:off x="679658" y="170597"/>
+            <a:ext cx="6212461" cy="539087"/>
+          </a:xfrm>
+          <a:solidFill>
+            <a:srgbClr val="FFFFFF"/>
+          </a:solidFill>
+        </p:spPr>
+        <p:txBody>
+          <a:bodyPr/>
+          <a:lstStyle/>
+          <a:p>
+            <a:r>
+              <a:rPr lang="en-US" sz="2000" b="1" dirty="0">
+                <a:solidFill>
+                  <a:srgbClr val="00B050"/>
+                </a:solidFill>
+              </a:rPr>
+              <a:t>Trees – Random Forest, Cubist, Gradient Boost</a:t>
+            </a:r>
+            <a:endParaRPr lang="en-US" sz="3200" dirty="0"/>
+          </a:p>
+        </p:txBody>
+      </p:sp>
+      <p:sp>
+        <p:nvSpPr>
+          <p:cNvPr id="3" name="Text Placeholder 2">
+            <a:extLst>
+              <a:ext uri="{FF2B5EF4-FFF2-40B4-BE49-F238E27FC236}">
+                <a16:creationId xmlns:a16="http://schemas.microsoft.com/office/drawing/2014/main" id="{8ECB0728-797B-4274-8038-60BA1DE5CF50}"/>
+              </a:ext>
+            </a:extLst>
+          </p:cNvPr>
+          <p:cNvSpPr>
+            <a:spLocks noGrp="1"/>
+          </p:cNvSpPr>
+          <p:nvPr>
+            <p:ph type="body"/>
+          </p:nvPr>
+        </p:nvSpPr>
+        <p:spPr>
+          <a:xfrm>
+            <a:off x="3737207" y="709684"/>
+            <a:ext cx="6583320" cy="686520"/>
+          </a:xfrm>
+        </p:spPr>
+        <p:txBody>
+          <a:bodyPr>
+            <a:normAutofit/>
+          </a:bodyPr>
+          <a:lstStyle/>
+          <a:p>
+            <a:pPr marL="0" indent="0">
+              <a:buNone/>
             </a:pPr>
             <a:r>
-              <a:rPr lang="en-US" sz="2000" b="1" spc="-1" dirty="0">
+              <a:rPr lang="en-US" sz="1400" dirty="0">
                 <a:solidFill>
-                  <a:srgbClr val="24B57A"/>
+                  <a:srgbClr val="00B050"/>
                 </a:solidFill>
               </a:rPr>
-              <a:t>K-mean</a:t>
+              <a:t>Random Forest </a:t>
             </a:r>
-            <a:endParaRPr lang="en-US" sz="2000" b="0" strike="noStrike" spc="-1" dirty="0">
+          </a:p>
+          <a:p>
+            <a:endParaRPr lang="en-US" sz="1400" dirty="0">
               <a:solidFill>
-                <a:srgbClr val="000000"/>
+                <a:srgbClr val="00B050"/>
               </a:solidFill>
-              <a:latin typeface="Calibri"/>
             </a:endParaRPr>
+          </a:p>
+        </p:txBody>
+      </p:sp>
+      <p:sp>
+        <p:nvSpPr>
+          <p:cNvPr id="4" name="Text Placeholder 3">
+            <a:extLst>
+              <a:ext uri="{FF2B5EF4-FFF2-40B4-BE49-F238E27FC236}">
+                <a16:creationId xmlns:a16="http://schemas.microsoft.com/office/drawing/2014/main" id="{E0073D36-7CE8-4E95-ABCE-FBBBBAB50E8A}"/>
+              </a:ext>
+            </a:extLst>
+          </p:cNvPr>
+          <p:cNvSpPr>
+            <a:spLocks noGrp="1"/>
+          </p:cNvSpPr>
+          <p:nvPr>
+            <p:ph type="body"/>
+          </p:nvPr>
+        </p:nvSpPr>
+        <p:spPr>
+          <a:xfrm>
+            <a:off x="270405" y="619380"/>
+            <a:ext cx="6583320" cy="686520"/>
+          </a:xfrm>
+        </p:spPr>
+        <p:txBody>
+          <a:bodyPr>
+            <a:normAutofit/>
+          </a:bodyPr>
+          <a:lstStyle/>
+          <a:p>
+            <a:pPr marL="0" indent="0">
+              <a:buNone/>
+            </a:pPr>
+            <a:r>
+              <a:rPr lang="en-US" sz="1400" dirty="0">
+                <a:solidFill>
+                  <a:srgbClr val="00B050"/>
+                </a:solidFill>
+              </a:rPr>
+              <a:t>Random Forest: Food Only</a:t>
+            </a:r>
           </a:p>
         </p:txBody>
       </p:sp>
       <p:pic>
         <p:nvPicPr>
-          <p:cNvPr id="3" name="Picture 2">
+          <p:cNvPr id="6" name="Picture 5">
             <a:extLst>
               <a:ext uri="{FF2B5EF4-FFF2-40B4-BE49-F238E27FC236}">
-                <a16:creationId xmlns:a16="http://schemas.microsoft.com/office/drawing/2014/main" id="{98B2A374-CB41-4A28-9187-098F04478DB5}"/>
+                <a16:creationId xmlns:a16="http://schemas.microsoft.com/office/drawing/2014/main" id="{80E4683B-1869-4008-B7DB-8DEB347FB14B}"/>
               </a:ext>
             </a:extLst>
           </p:cNvPr>
@@ -6633,8 +6687,38 @@
         </p:blipFill>
         <p:spPr>
           <a:xfrm>
-            <a:off x="1802418" y="320638"/>
-            <a:ext cx="5040170" cy="3473524"/>
+            <a:off x="219409" y="1268622"/>
+            <a:ext cx="3028758" cy="1883538"/>
+          </a:xfrm>
+          <a:prstGeom prst="rect">
+            <a:avLst/>
+          </a:prstGeom>
+        </p:spPr>
+      </p:pic>
+      <p:pic>
+        <p:nvPicPr>
+          <p:cNvPr id="8" name="Picture 7">
+            <a:extLst>
+              <a:ext uri="{FF2B5EF4-FFF2-40B4-BE49-F238E27FC236}">
+                <a16:creationId xmlns:a16="http://schemas.microsoft.com/office/drawing/2014/main" id="{2F9E0B4D-57B1-4F92-95E7-4DEBEE65F3A3}"/>
+              </a:ext>
+            </a:extLst>
+          </p:cNvPr>
+          <p:cNvPicPr>
+            <a:picLocks noChangeAspect="1"/>
+          </p:cNvPicPr>
+          <p:nvPr/>
+        </p:nvPicPr>
+        <p:blipFill>
+          <a:blip r:embed="rId3"/>
+          <a:stretch>
+            <a:fillRect/>
+          </a:stretch>
+        </p:blipFill>
+        <p:spPr>
+          <a:xfrm>
+            <a:off x="3306201" y="1268622"/>
+            <a:ext cx="3197241" cy="1926395"/>
           </a:xfrm>
           <a:prstGeom prst="rect">
             <a:avLst/>
@@ -6644,7 +6728,7 @@
     </p:spTree>
     <p:extLst>
       <p:ext uri="{BB962C8B-B14F-4D97-AF65-F5344CB8AC3E}">
-        <p14:creationId xmlns:p14="http://schemas.microsoft.com/office/powerpoint/2010/main" val="2466542828"/>
+        <p14:creationId xmlns:p14="http://schemas.microsoft.com/office/powerpoint/2010/main" val="3240205316"/>
       </p:ext>
     </p:extLst>
   </p:cSld>
@@ -6673,218 +6757,6 @@
       </p:grpSpPr>
       <p:sp>
         <p:nvSpPr>
-          <p:cNvPr id="2" name="Title 1">
-            <a:extLst>
-              <a:ext uri="{FF2B5EF4-FFF2-40B4-BE49-F238E27FC236}">
-                <a16:creationId xmlns:a16="http://schemas.microsoft.com/office/drawing/2014/main" id="{A77667F7-C2EB-4234-B396-2A9D5C353501}"/>
-              </a:ext>
-            </a:extLst>
-          </p:cNvPr>
-          <p:cNvSpPr>
-            <a:spLocks noGrp="1"/>
-          </p:cNvSpPr>
-          <p:nvPr>
-            <p:ph type="title"/>
-          </p:nvPr>
-        </p:nvSpPr>
-        <p:spPr>
-          <a:xfrm>
-            <a:off x="679658" y="170597"/>
-            <a:ext cx="6212461" cy="539087"/>
-          </a:xfrm>
-          <a:solidFill>
-            <a:srgbClr val="FFFFFF"/>
-          </a:solidFill>
-        </p:spPr>
-        <p:txBody>
-          <a:bodyPr/>
-          <a:lstStyle/>
-          <a:p>
-            <a:r>
-              <a:rPr lang="en-US" sz="2000" b="1" dirty="0">
-                <a:solidFill>
-                  <a:srgbClr val="00B050"/>
-                </a:solidFill>
-              </a:rPr>
-              <a:t>Trees – Random Forest, Cubist, Gradient Boost</a:t>
-            </a:r>
-            <a:endParaRPr lang="en-US" sz="3200" dirty="0"/>
-          </a:p>
-        </p:txBody>
-      </p:sp>
-      <p:sp>
-        <p:nvSpPr>
-          <p:cNvPr id="3" name="Text Placeholder 2">
-            <a:extLst>
-              <a:ext uri="{FF2B5EF4-FFF2-40B4-BE49-F238E27FC236}">
-                <a16:creationId xmlns:a16="http://schemas.microsoft.com/office/drawing/2014/main" id="{8ECB0728-797B-4274-8038-60BA1DE5CF50}"/>
-              </a:ext>
-            </a:extLst>
-          </p:cNvPr>
-          <p:cNvSpPr>
-            <a:spLocks noGrp="1"/>
-          </p:cNvSpPr>
-          <p:nvPr>
-            <p:ph type="body"/>
-          </p:nvPr>
-        </p:nvSpPr>
-        <p:spPr/>
-        <p:txBody>
-          <a:bodyPr>
-            <a:normAutofit/>
-          </a:bodyPr>
-          <a:lstStyle/>
-          <a:p>
-            <a:pPr marL="0" indent="0">
-              <a:buNone/>
-            </a:pPr>
-            <a:r>
-              <a:rPr lang="en-US" sz="1400" dirty="0">
-                <a:solidFill>
-                  <a:srgbClr val="00B050"/>
-                </a:solidFill>
-              </a:rPr>
-              <a:t>Random Forest </a:t>
-            </a:r>
-          </a:p>
-          <a:p>
-            <a:endParaRPr lang="en-US" sz="1400" dirty="0">
-              <a:solidFill>
-                <a:srgbClr val="00B050"/>
-              </a:solidFill>
-            </a:endParaRPr>
-          </a:p>
-        </p:txBody>
-      </p:sp>
-      <p:sp>
-        <p:nvSpPr>
-          <p:cNvPr id="4" name="Text Placeholder 3">
-            <a:extLst>
-              <a:ext uri="{FF2B5EF4-FFF2-40B4-BE49-F238E27FC236}">
-                <a16:creationId xmlns:a16="http://schemas.microsoft.com/office/drawing/2014/main" id="{E0073D36-7CE8-4E95-ABCE-FBBBBAB50E8A}"/>
-              </a:ext>
-            </a:extLst>
-          </p:cNvPr>
-          <p:cNvSpPr>
-            <a:spLocks noGrp="1"/>
-          </p:cNvSpPr>
-          <p:nvPr>
-            <p:ph type="body"/>
-          </p:nvPr>
-        </p:nvSpPr>
-        <p:spPr/>
-        <p:txBody>
-          <a:bodyPr>
-            <a:normAutofit/>
-          </a:bodyPr>
-          <a:lstStyle/>
-          <a:p>
-            <a:pPr marL="0" indent="0">
-              <a:buNone/>
-            </a:pPr>
-            <a:r>
-              <a:rPr lang="en-US" sz="1400" dirty="0">
-                <a:solidFill>
-                  <a:srgbClr val="00B050"/>
-                </a:solidFill>
-              </a:rPr>
-              <a:t>Random Forest: Food Only</a:t>
-            </a:r>
-          </a:p>
-        </p:txBody>
-      </p:sp>
-      <p:pic>
-        <p:nvPicPr>
-          <p:cNvPr id="6" name="Picture 5">
-            <a:extLst>
-              <a:ext uri="{FF2B5EF4-FFF2-40B4-BE49-F238E27FC236}">
-                <a16:creationId xmlns:a16="http://schemas.microsoft.com/office/drawing/2014/main" id="{80E4683B-1869-4008-B7DB-8DEB347FB14B}"/>
-              </a:ext>
-            </a:extLst>
-          </p:cNvPr>
-          <p:cNvPicPr>
-            <a:picLocks noChangeAspect="1"/>
-          </p:cNvPicPr>
-          <p:nvPr/>
-        </p:nvPicPr>
-        <p:blipFill>
-          <a:blip r:embed="rId2"/>
-          <a:stretch>
-            <a:fillRect/>
-          </a:stretch>
-        </p:blipFill>
-        <p:spPr>
-          <a:xfrm>
-            <a:off x="219409" y="1268622"/>
-            <a:ext cx="3028758" cy="1883538"/>
-          </a:xfrm>
-          <a:prstGeom prst="rect">
-            <a:avLst/>
-          </a:prstGeom>
-        </p:spPr>
-      </p:pic>
-      <p:pic>
-        <p:nvPicPr>
-          <p:cNvPr id="8" name="Picture 7">
-            <a:extLst>
-              <a:ext uri="{FF2B5EF4-FFF2-40B4-BE49-F238E27FC236}">
-                <a16:creationId xmlns:a16="http://schemas.microsoft.com/office/drawing/2014/main" id="{2F9E0B4D-57B1-4F92-95E7-4DEBEE65F3A3}"/>
-              </a:ext>
-            </a:extLst>
-          </p:cNvPr>
-          <p:cNvPicPr>
-            <a:picLocks noChangeAspect="1"/>
-          </p:cNvPicPr>
-          <p:nvPr/>
-        </p:nvPicPr>
-        <p:blipFill>
-          <a:blip r:embed="rId3"/>
-          <a:stretch>
-            <a:fillRect/>
-          </a:stretch>
-        </p:blipFill>
-        <p:spPr>
-          <a:xfrm>
-            <a:off x="3306201" y="1268622"/>
-            <a:ext cx="3197241" cy="1926395"/>
-          </a:xfrm>
-          <a:prstGeom prst="rect">
-            <a:avLst/>
-          </a:prstGeom>
-        </p:spPr>
-      </p:pic>
-    </p:spTree>
-    <p:extLst>
-      <p:ext uri="{BB962C8B-B14F-4D97-AF65-F5344CB8AC3E}">
-        <p14:creationId xmlns:p14="http://schemas.microsoft.com/office/powerpoint/2010/main" val="3240205316"/>
-      </p:ext>
-    </p:extLst>
-  </p:cSld>
-  <p:clrMapOvr>
-    <a:masterClrMapping/>
-  </p:clrMapOvr>
-</p:sld>
-</file>
-
-<file path=ppt/slides/slide19.xml><?xml version="1.0" encoding="utf-8"?>
-<p:sld xmlns:a="http://schemas.openxmlformats.org/drawingml/2006/main" xmlns:r="http://schemas.openxmlformats.org/officeDocument/2006/relationships" xmlns:p="http://schemas.openxmlformats.org/presentationml/2006/main">
-  <p:cSld>
-    <p:spTree>
-      <p:nvGrpSpPr>
-        <p:cNvPr id="1" name=""/>
-        <p:cNvGrpSpPr/>
-        <p:nvPr/>
-      </p:nvGrpSpPr>
-      <p:grpSpPr>
-        <a:xfrm>
-          <a:off x="0" y="0"/>
-          <a:ext cx="0" cy="0"/>
-          <a:chOff x="0" y="0"/>
-          <a:chExt cx="0" cy="0"/>
-        </a:xfrm>
-      </p:grpSpPr>
-      <p:sp>
-        <p:nvSpPr>
           <p:cNvPr id="2" name="TextBox 1">
             <a:extLst>
               <a:ext uri="{FF2B5EF4-FFF2-40B4-BE49-F238E27FC236}">
@@ -6995,278 +6867,7 @@
 </p:sld>
 </file>
 
-<file path=ppt/slides/slide2.xml><?xml version="1.0" encoding="utf-8"?>
-<p:sld xmlns:a="http://schemas.openxmlformats.org/drawingml/2006/main" xmlns:r="http://schemas.openxmlformats.org/officeDocument/2006/relationships" xmlns:p="http://schemas.openxmlformats.org/presentationml/2006/main">
-  <p:cSld>
-    <p:spTree>
-      <p:nvGrpSpPr>
-        <p:cNvPr id="1" name=""/>
-        <p:cNvGrpSpPr/>
-        <p:nvPr/>
-      </p:nvGrpSpPr>
-      <p:grpSpPr>
-        <a:xfrm>
-          <a:off x="0" y="0"/>
-          <a:ext cx="0" cy="0"/>
-          <a:chOff x="0" y="0"/>
-          <a:chExt cx="0" cy="0"/>
-        </a:xfrm>
-      </p:grpSpPr>
-      <p:sp>
-        <p:nvSpPr>
-          <p:cNvPr id="152" name="TextShape 1"/>
-          <p:cNvSpPr txBox="1"/>
-          <p:nvPr/>
-        </p:nvSpPr>
-        <p:spPr>
-          <a:xfrm>
-            <a:off x="378360" y="85320"/>
-            <a:ext cx="4876560" cy="666000"/>
-          </a:xfrm>
-          <a:prstGeom prst="rect">
-            <a:avLst/>
-          </a:prstGeom>
-          <a:noFill/>
-          <a:ln w="0">
-            <a:noFill/>
-          </a:ln>
-        </p:spPr>
-        <p:txBody>
-          <a:bodyPr lIns="65160" tIns="32760" rIns="65160" bIns="32760" anchor="ctr">
-            <a:noAutofit/>
-          </a:bodyPr>
-          <a:lstStyle/>
-          <a:p>
-            <a:pPr>
-              <a:lnSpc>
-                <a:spcPct val="100000"/>
-              </a:lnSpc>
-            </a:pPr>
-            <a:r>
-              <a:rPr lang="en-US" sz="2000" b="1" spc="-1" dirty="0">
-                <a:solidFill>
-                  <a:srgbClr val="24B57A"/>
-                </a:solidFill>
-              </a:rPr>
-              <a:t>The Dataset </a:t>
-            </a:r>
-            <a:endParaRPr lang="en-US" sz="2000" b="0" strike="noStrike" spc="-1" dirty="0">
-              <a:solidFill>
-                <a:srgbClr val="000000"/>
-              </a:solidFill>
-              <a:latin typeface="Calibri"/>
-            </a:endParaRPr>
-          </a:p>
-        </p:txBody>
-      </p:sp>
-      <p:sp>
-        <p:nvSpPr>
-          <p:cNvPr id="153" name="TextShape 2"/>
-          <p:cNvSpPr txBox="1"/>
-          <p:nvPr/>
-        </p:nvSpPr>
-        <p:spPr>
-          <a:xfrm>
-            <a:off x="273239" y="761400"/>
-            <a:ext cx="5932351" cy="2741400"/>
-          </a:xfrm>
-          <a:prstGeom prst="rect">
-            <a:avLst/>
-          </a:prstGeom>
-          <a:noFill/>
-          <a:ln w="0">
-            <a:noFill/>
-          </a:ln>
-        </p:spPr>
-        <p:txBody>
-          <a:bodyPr lIns="65160" tIns="32760" rIns="65160" bIns="32760">
-            <a:noAutofit/>
-          </a:bodyPr>
-          <a:lstStyle/>
-          <a:p>
-            <a:pPr marL="360">
-              <a:lnSpc>
-                <a:spcPct val="100000"/>
-              </a:lnSpc>
-              <a:spcBef>
-                <a:spcPts val="360"/>
-              </a:spcBef>
-              <a:buClr>
-                <a:srgbClr val="1778AB"/>
-              </a:buClr>
-            </a:pPr>
-            <a:r>
-              <a:rPr lang="en-US" spc="-1" dirty="0">
-                <a:solidFill>
-                  <a:srgbClr val="1778AB"/>
-                </a:solidFill>
-              </a:rPr>
-              <a:t>The dataset combined data of :</a:t>
-            </a:r>
-          </a:p>
-          <a:p>
-            <a:pPr marL="360">
-              <a:lnSpc>
-                <a:spcPct val="100000"/>
-              </a:lnSpc>
-              <a:spcBef>
-                <a:spcPts val="360"/>
-              </a:spcBef>
-              <a:buClr>
-                <a:srgbClr val="1778AB"/>
-              </a:buClr>
-            </a:pPr>
-            <a:endParaRPr lang="en-US" spc="-1" dirty="0">
-              <a:solidFill>
-                <a:srgbClr val="1778AB"/>
-              </a:solidFill>
-            </a:endParaRPr>
-          </a:p>
-          <a:p>
-            <a:pPr marL="285840" indent="-285480">
-              <a:lnSpc>
-                <a:spcPct val="100000"/>
-              </a:lnSpc>
-              <a:spcBef>
-                <a:spcPts val="360"/>
-              </a:spcBef>
-              <a:buClr>
-                <a:srgbClr val="1778AB"/>
-              </a:buClr>
-              <a:buFont typeface="Arial"/>
-              <a:buChar char="•"/>
-            </a:pPr>
-            <a:r>
-              <a:rPr lang="en-US" spc="-1" dirty="0">
-                <a:solidFill>
-                  <a:srgbClr val="1778AB"/>
-                </a:solidFill>
-              </a:rPr>
-              <a:t>Different types of food, </a:t>
-            </a:r>
-          </a:p>
-          <a:p>
-            <a:pPr marL="285840" indent="-285480">
-              <a:lnSpc>
-                <a:spcPct val="100000"/>
-              </a:lnSpc>
-              <a:spcBef>
-                <a:spcPts val="360"/>
-              </a:spcBef>
-              <a:buClr>
-                <a:srgbClr val="1778AB"/>
-              </a:buClr>
-              <a:buFont typeface="Arial"/>
-              <a:buChar char="•"/>
-            </a:pPr>
-            <a:r>
-              <a:rPr lang="en-US" spc="-1" dirty="0">
-                <a:solidFill>
-                  <a:srgbClr val="1778AB"/>
-                </a:solidFill>
-              </a:rPr>
-              <a:t>World population obesity and </a:t>
-            </a:r>
-          </a:p>
-          <a:p>
-            <a:pPr marL="285840" indent="-285480">
-              <a:lnSpc>
-                <a:spcPct val="100000"/>
-              </a:lnSpc>
-              <a:spcBef>
-                <a:spcPts val="360"/>
-              </a:spcBef>
-              <a:buClr>
-                <a:srgbClr val="1778AB"/>
-              </a:buClr>
-              <a:buFont typeface="Arial"/>
-              <a:buChar char="•"/>
-            </a:pPr>
-            <a:r>
-              <a:rPr lang="en-US" spc="-1" dirty="0">
-                <a:solidFill>
-                  <a:srgbClr val="1778AB"/>
-                </a:solidFill>
-              </a:rPr>
-              <a:t>undernourished rate, and</a:t>
-            </a:r>
-          </a:p>
-          <a:p>
-            <a:pPr marL="285840" indent="-285480">
-              <a:lnSpc>
-                <a:spcPct val="100000"/>
-              </a:lnSpc>
-              <a:spcBef>
-                <a:spcPts val="360"/>
-              </a:spcBef>
-              <a:buClr>
-                <a:srgbClr val="1778AB"/>
-              </a:buClr>
-              <a:buFont typeface="Arial"/>
-              <a:buChar char="•"/>
-            </a:pPr>
-            <a:r>
-              <a:rPr lang="en-US" spc="-1" dirty="0">
-                <a:solidFill>
-                  <a:srgbClr val="1778AB"/>
-                </a:solidFill>
-              </a:rPr>
-              <a:t>Global COVID-19 cases count from around the world</a:t>
-            </a:r>
-            <a:endParaRPr lang="en-US" sz="1800" strike="noStrike" spc="-1" dirty="0">
-              <a:solidFill>
-                <a:srgbClr val="0D0D0D"/>
-              </a:solidFill>
-              <a:latin typeface="Arial"/>
-            </a:endParaRPr>
-          </a:p>
-        </p:txBody>
-      </p:sp>
-      <p:pic>
-        <p:nvPicPr>
-          <p:cNvPr id="3" name="Picture 2" descr="Logo&#10;&#10;Description automatically generated">
-            <a:extLst>
-              <a:ext uri="{FF2B5EF4-FFF2-40B4-BE49-F238E27FC236}">
-                <a16:creationId xmlns:a16="http://schemas.microsoft.com/office/drawing/2014/main" id="{0B05F55C-50EA-4031-A825-15015FA21730}"/>
-              </a:ext>
-            </a:extLst>
-          </p:cNvPr>
-          <p:cNvPicPr>
-            <a:picLocks noChangeAspect="1"/>
-          </p:cNvPicPr>
-          <p:nvPr/>
-        </p:nvPicPr>
-        <p:blipFill>
-          <a:blip r:embed="rId2">
-            <a:extLst>
-              <a:ext uri="{28A0092B-C50C-407E-A947-70E740481C1C}">
-                <a14:useLocalDpi xmlns:a14="http://schemas.microsoft.com/office/drawing/2010/main" val="0"/>
-              </a:ext>
-            </a:extLst>
-          </a:blip>
-          <a:stretch>
-            <a:fillRect/>
-          </a:stretch>
-        </p:blipFill>
-        <p:spPr>
-          <a:xfrm>
-            <a:off x="4679600" y="761400"/>
-            <a:ext cx="2242494" cy="1495615"/>
-          </a:xfrm>
-          <a:prstGeom prst="rect">
-            <a:avLst/>
-          </a:prstGeom>
-        </p:spPr>
-      </p:pic>
-    </p:spTree>
-  </p:cSld>
-  <p:clrMapOvr>
-    <a:masterClrMapping/>
-  </p:clrMapOvr>
-</p:sld>
-</file>
-
-<file path=ppt/slides/slide20.xml><?xml version="1.0" encoding="utf-8"?>
+<file path=ppt/slides/slide19.xml><?xml version="1.0" encoding="utf-8"?>
 <p:sld xmlns:a="http://schemas.openxmlformats.org/drawingml/2006/main" xmlns:r="http://schemas.openxmlformats.org/officeDocument/2006/relationships" xmlns:p="http://schemas.openxmlformats.org/presentationml/2006/main">
   <p:cSld>
     <p:spTree>
@@ -7454,7 +7055,278 @@
 </p:sld>
 </file>
 
-<file path=ppt/slides/slide21.xml><?xml version="1.0" encoding="utf-8"?>
+<file path=ppt/slides/slide2.xml><?xml version="1.0" encoding="utf-8"?>
+<p:sld xmlns:a="http://schemas.openxmlformats.org/drawingml/2006/main" xmlns:r="http://schemas.openxmlformats.org/officeDocument/2006/relationships" xmlns:p="http://schemas.openxmlformats.org/presentationml/2006/main">
+  <p:cSld>
+    <p:spTree>
+      <p:nvGrpSpPr>
+        <p:cNvPr id="1" name=""/>
+        <p:cNvGrpSpPr/>
+        <p:nvPr/>
+      </p:nvGrpSpPr>
+      <p:grpSpPr>
+        <a:xfrm>
+          <a:off x="0" y="0"/>
+          <a:ext cx="0" cy="0"/>
+          <a:chOff x="0" y="0"/>
+          <a:chExt cx="0" cy="0"/>
+        </a:xfrm>
+      </p:grpSpPr>
+      <p:sp>
+        <p:nvSpPr>
+          <p:cNvPr id="152" name="TextShape 1"/>
+          <p:cNvSpPr txBox="1"/>
+          <p:nvPr/>
+        </p:nvSpPr>
+        <p:spPr>
+          <a:xfrm>
+            <a:off x="378360" y="85320"/>
+            <a:ext cx="4876560" cy="666000"/>
+          </a:xfrm>
+          <a:prstGeom prst="rect">
+            <a:avLst/>
+          </a:prstGeom>
+          <a:noFill/>
+          <a:ln w="0">
+            <a:noFill/>
+          </a:ln>
+        </p:spPr>
+        <p:txBody>
+          <a:bodyPr lIns="65160" tIns="32760" rIns="65160" bIns="32760" anchor="ctr">
+            <a:noAutofit/>
+          </a:bodyPr>
+          <a:lstStyle/>
+          <a:p>
+            <a:pPr>
+              <a:lnSpc>
+                <a:spcPct val="100000"/>
+              </a:lnSpc>
+            </a:pPr>
+            <a:r>
+              <a:rPr lang="en-US" sz="2000" b="1" spc="-1" dirty="0">
+                <a:solidFill>
+                  <a:srgbClr val="24B57A"/>
+                </a:solidFill>
+              </a:rPr>
+              <a:t>The Dataset </a:t>
+            </a:r>
+            <a:endParaRPr lang="en-US" sz="2000" b="0" strike="noStrike" spc="-1" dirty="0">
+              <a:solidFill>
+                <a:srgbClr val="000000"/>
+              </a:solidFill>
+              <a:latin typeface="Calibri"/>
+            </a:endParaRPr>
+          </a:p>
+        </p:txBody>
+      </p:sp>
+      <p:sp>
+        <p:nvSpPr>
+          <p:cNvPr id="153" name="TextShape 2"/>
+          <p:cNvSpPr txBox="1"/>
+          <p:nvPr/>
+        </p:nvSpPr>
+        <p:spPr>
+          <a:xfrm>
+            <a:off x="273239" y="761400"/>
+            <a:ext cx="5932351" cy="2741400"/>
+          </a:xfrm>
+          <a:prstGeom prst="rect">
+            <a:avLst/>
+          </a:prstGeom>
+          <a:noFill/>
+          <a:ln w="0">
+            <a:noFill/>
+          </a:ln>
+        </p:spPr>
+        <p:txBody>
+          <a:bodyPr lIns="65160" tIns="32760" rIns="65160" bIns="32760">
+            <a:noAutofit/>
+          </a:bodyPr>
+          <a:lstStyle/>
+          <a:p>
+            <a:pPr marL="360">
+              <a:lnSpc>
+                <a:spcPct val="100000"/>
+              </a:lnSpc>
+              <a:spcBef>
+                <a:spcPts val="360"/>
+              </a:spcBef>
+              <a:buClr>
+                <a:srgbClr val="1778AB"/>
+              </a:buClr>
+            </a:pPr>
+            <a:r>
+              <a:rPr lang="en-US" spc="-1" dirty="0">
+                <a:solidFill>
+                  <a:srgbClr val="1778AB"/>
+                </a:solidFill>
+              </a:rPr>
+              <a:t>The dataset combined data of :</a:t>
+            </a:r>
+          </a:p>
+          <a:p>
+            <a:pPr marL="360">
+              <a:lnSpc>
+                <a:spcPct val="100000"/>
+              </a:lnSpc>
+              <a:spcBef>
+                <a:spcPts val="360"/>
+              </a:spcBef>
+              <a:buClr>
+                <a:srgbClr val="1778AB"/>
+              </a:buClr>
+            </a:pPr>
+            <a:endParaRPr lang="en-US" spc="-1" dirty="0">
+              <a:solidFill>
+                <a:srgbClr val="1778AB"/>
+              </a:solidFill>
+            </a:endParaRPr>
+          </a:p>
+          <a:p>
+            <a:pPr marL="285840" indent="-285480">
+              <a:lnSpc>
+                <a:spcPct val="100000"/>
+              </a:lnSpc>
+              <a:spcBef>
+                <a:spcPts val="360"/>
+              </a:spcBef>
+              <a:buClr>
+                <a:srgbClr val="1778AB"/>
+              </a:buClr>
+              <a:buFont typeface="Arial"/>
+              <a:buChar char="•"/>
+            </a:pPr>
+            <a:r>
+              <a:rPr lang="en-US" spc="-1" dirty="0">
+                <a:solidFill>
+                  <a:srgbClr val="1778AB"/>
+                </a:solidFill>
+              </a:rPr>
+              <a:t>Different types of food, </a:t>
+            </a:r>
+          </a:p>
+          <a:p>
+            <a:pPr marL="285840" indent="-285480">
+              <a:lnSpc>
+                <a:spcPct val="100000"/>
+              </a:lnSpc>
+              <a:spcBef>
+                <a:spcPts val="360"/>
+              </a:spcBef>
+              <a:buClr>
+                <a:srgbClr val="1778AB"/>
+              </a:buClr>
+              <a:buFont typeface="Arial"/>
+              <a:buChar char="•"/>
+            </a:pPr>
+            <a:r>
+              <a:rPr lang="en-US" spc="-1" dirty="0">
+                <a:solidFill>
+                  <a:srgbClr val="1778AB"/>
+                </a:solidFill>
+              </a:rPr>
+              <a:t>World population obesity and </a:t>
+            </a:r>
+          </a:p>
+          <a:p>
+            <a:pPr marL="285840" indent="-285480">
+              <a:lnSpc>
+                <a:spcPct val="100000"/>
+              </a:lnSpc>
+              <a:spcBef>
+                <a:spcPts val="360"/>
+              </a:spcBef>
+              <a:buClr>
+                <a:srgbClr val="1778AB"/>
+              </a:buClr>
+              <a:buFont typeface="Arial"/>
+              <a:buChar char="•"/>
+            </a:pPr>
+            <a:r>
+              <a:rPr lang="en-US" spc="-1" dirty="0">
+                <a:solidFill>
+                  <a:srgbClr val="1778AB"/>
+                </a:solidFill>
+              </a:rPr>
+              <a:t>undernourished rate, and</a:t>
+            </a:r>
+          </a:p>
+          <a:p>
+            <a:pPr marL="285840" indent="-285480">
+              <a:lnSpc>
+                <a:spcPct val="100000"/>
+              </a:lnSpc>
+              <a:spcBef>
+                <a:spcPts val="360"/>
+              </a:spcBef>
+              <a:buClr>
+                <a:srgbClr val="1778AB"/>
+              </a:buClr>
+              <a:buFont typeface="Arial"/>
+              <a:buChar char="•"/>
+            </a:pPr>
+            <a:r>
+              <a:rPr lang="en-US" spc="-1" dirty="0">
+                <a:solidFill>
+                  <a:srgbClr val="1778AB"/>
+                </a:solidFill>
+              </a:rPr>
+              <a:t>Global COVID-19 cases count from around the world</a:t>
+            </a:r>
+            <a:endParaRPr lang="en-US" sz="1800" strike="noStrike" spc="-1" dirty="0">
+              <a:solidFill>
+                <a:srgbClr val="0D0D0D"/>
+              </a:solidFill>
+              <a:latin typeface="Arial"/>
+            </a:endParaRPr>
+          </a:p>
+        </p:txBody>
+      </p:sp>
+      <p:pic>
+        <p:nvPicPr>
+          <p:cNvPr id="3" name="Picture 2" descr="Logo&#10;&#10;Description automatically generated">
+            <a:extLst>
+              <a:ext uri="{FF2B5EF4-FFF2-40B4-BE49-F238E27FC236}">
+                <a16:creationId xmlns:a16="http://schemas.microsoft.com/office/drawing/2014/main" id="{0B05F55C-50EA-4031-A825-15015FA21730}"/>
+              </a:ext>
+            </a:extLst>
+          </p:cNvPr>
+          <p:cNvPicPr>
+            <a:picLocks noChangeAspect="1"/>
+          </p:cNvPicPr>
+          <p:nvPr/>
+        </p:nvPicPr>
+        <p:blipFill>
+          <a:blip r:embed="rId2">
+            <a:extLst>
+              <a:ext uri="{28A0092B-C50C-407E-A947-70E740481C1C}">
+                <a14:useLocalDpi xmlns:a14="http://schemas.microsoft.com/office/drawing/2010/main" val="0"/>
+              </a:ext>
+            </a:extLst>
+          </a:blip>
+          <a:stretch>
+            <a:fillRect/>
+          </a:stretch>
+        </p:blipFill>
+        <p:spPr>
+          <a:xfrm>
+            <a:off x="4679600" y="761400"/>
+            <a:ext cx="2242494" cy="1495615"/>
+          </a:xfrm>
+          <a:prstGeom prst="rect">
+            <a:avLst/>
+          </a:prstGeom>
+        </p:spPr>
+      </p:pic>
+    </p:spTree>
+  </p:cSld>
+  <p:clrMapOvr>
+    <a:masterClrMapping/>
+  </p:clrMapOvr>
+</p:sld>
+</file>
+
+<file path=ppt/slides/slide20.xml><?xml version="1.0" encoding="utf-8"?>
 <p:sld xmlns:a="http://schemas.openxmlformats.org/drawingml/2006/main" xmlns:r="http://schemas.openxmlformats.org/officeDocument/2006/relationships" xmlns:p="http://schemas.openxmlformats.org/presentationml/2006/main">
   <p:cSld>
     <p:spTree>
@@ -7584,7 +7456,7 @@
 </p:sld>
 </file>
 
-<file path=ppt/slides/slide22.xml><?xml version="1.0" encoding="utf-8"?>
+<file path=ppt/slides/slide21.xml><?xml version="1.0" encoding="utf-8"?>
 <p:sld xmlns:a="http://schemas.openxmlformats.org/drawingml/2006/main" xmlns:r="http://schemas.openxmlformats.org/officeDocument/2006/relationships" xmlns:p="http://schemas.openxmlformats.org/presentationml/2006/main">
   <p:cSld>
     <p:spTree>
@@ -7743,7 +7615,7 @@
 </p:sld>
 </file>
 
-<file path=ppt/slides/slide23.xml><?xml version="1.0" encoding="utf-8"?>
+<file path=ppt/slides/slide22.xml><?xml version="1.0" encoding="utf-8"?>
 <p:sld xmlns:a="http://schemas.openxmlformats.org/drawingml/2006/main" xmlns:r="http://schemas.openxmlformats.org/officeDocument/2006/relationships" xmlns:p="http://schemas.openxmlformats.org/presentationml/2006/main">
   <p:cSld>
     <p:spTree>
@@ -7873,7 +7745,7 @@
 </p:sld>
 </file>
 
-<file path=ppt/slides/slide24.xml><?xml version="1.0" encoding="utf-8"?>
+<file path=ppt/slides/slide23.xml><?xml version="1.0" encoding="utf-8"?>
 <p:sld xmlns:a="http://schemas.openxmlformats.org/drawingml/2006/main" xmlns:r="http://schemas.openxmlformats.org/officeDocument/2006/relationships" xmlns:p="http://schemas.openxmlformats.org/presentationml/2006/main">
   <p:cSld>
     <p:spTree>
@@ -8122,7 +7994,7 @@
 </p:sld>
 </file>
 
-<file path=ppt/slides/slide25.xml><?xml version="1.0" encoding="utf-8"?>
+<file path=ppt/slides/slide24.xml><?xml version="1.0" encoding="utf-8"?>
 <p:sld xmlns:a="http://schemas.openxmlformats.org/drawingml/2006/main" xmlns:r="http://schemas.openxmlformats.org/officeDocument/2006/relationships" xmlns:p="http://schemas.openxmlformats.org/presentationml/2006/main">
   <p:cSld>
     <p:spTree>
@@ -8273,7 +8145,7 @@
 </p:sld>
 </file>
 
-<file path=ppt/slides/slide26.xml><?xml version="1.0" encoding="utf-8"?>
+<file path=ppt/slides/slide25.xml><?xml version="1.0" encoding="utf-8"?>
 <p:sld xmlns:a="http://schemas.openxmlformats.org/drawingml/2006/main" xmlns:r="http://schemas.openxmlformats.org/officeDocument/2006/relationships" xmlns:p="http://schemas.openxmlformats.org/presentationml/2006/main">
   <p:cSld>
     <p:spTree>
